--- a/COLLEGE/COLLEGE PPT/Point To Point Protocol.pptx
+++ b/COLLEGE/COLLEGE PPT/Point To Point Protocol.pptx
@@ -265,7 +265,7 @@
           <a:p>
             <a:fld id="{987DA69C-A3BC-48FB-828D-5A6E6B919454}" type="datetimeFigureOut">
               <a:rPr lang="en-US" smtClean="0"/>
-              <a:t>6/7/2020</a:t>
+              <a:t>6/11/2020</a:t>
             </a:fld>
             <a:endParaRPr lang="en-US"/>
           </a:p>
@@ -463,7 +463,7 @@
           <a:p>
             <a:fld id="{987DA69C-A3BC-48FB-828D-5A6E6B919454}" type="datetimeFigureOut">
               <a:rPr lang="en-US" smtClean="0"/>
-              <a:t>6/7/2020</a:t>
+              <a:t>6/11/2020</a:t>
             </a:fld>
             <a:endParaRPr lang="en-US"/>
           </a:p>
@@ -671,7 +671,7 @@
           <a:p>
             <a:fld id="{987DA69C-A3BC-48FB-828D-5A6E6B919454}" type="datetimeFigureOut">
               <a:rPr lang="en-US" smtClean="0"/>
-              <a:t>6/7/2020</a:t>
+              <a:t>6/11/2020</a:t>
             </a:fld>
             <a:endParaRPr lang="en-US"/>
           </a:p>
@@ -913,7 +913,7 @@
           <a:p>
             <a:fld id="{987DA69C-A3BC-48FB-828D-5A6E6B919454}" type="datetimeFigureOut">
               <a:rPr lang="en-US" smtClean="0"/>
-              <a:t>6/7/2020</a:t>
+              <a:t>6/11/2020</a:t>
             </a:fld>
             <a:endParaRPr lang="en-US"/>
           </a:p>
@@ -1188,7 +1188,7 @@
           <a:p>
             <a:fld id="{987DA69C-A3BC-48FB-828D-5A6E6B919454}" type="datetimeFigureOut">
               <a:rPr lang="en-US" smtClean="0"/>
-              <a:t>6/7/2020</a:t>
+              <a:t>6/11/2020</a:t>
             </a:fld>
             <a:endParaRPr lang="en-US"/>
           </a:p>
@@ -1453,7 +1453,7 @@
           <a:p>
             <a:fld id="{987DA69C-A3BC-48FB-828D-5A6E6B919454}" type="datetimeFigureOut">
               <a:rPr lang="en-US" smtClean="0"/>
-              <a:t>6/7/2020</a:t>
+              <a:t>6/11/2020</a:t>
             </a:fld>
             <a:endParaRPr lang="en-US"/>
           </a:p>
@@ -1865,7 +1865,7 @@
           <a:p>
             <a:fld id="{987DA69C-A3BC-48FB-828D-5A6E6B919454}" type="datetimeFigureOut">
               <a:rPr lang="en-US" smtClean="0"/>
-              <a:t>6/7/2020</a:t>
+              <a:t>6/11/2020</a:t>
             </a:fld>
             <a:endParaRPr lang="en-US"/>
           </a:p>
@@ -2006,7 +2006,7 @@
           <a:p>
             <a:fld id="{987DA69C-A3BC-48FB-828D-5A6E6B919454}" type="datetimeFigureOut">
               <a:rPr lang="en-US" smtClean="0"/>
-              <a:t>6/7/2020</a:t>
+              <a:t>6/11/2020</a:t>
             </a:fld>
             <a:endParaRPr lang="en-US"/>
           </a:p>
@@ -2119,7 +2119,7 @@
           <a:p>
             <a:fld id="{987DA69C-A3BC-48FB-828D-5A6E6B919454}" type="datetimeFigureOut">
               <a:rPr lang="en-US" smtClean="0"/>
-              <a:t>6/7/2020</a:t>
+              <a:t>6/11/2020</a:t>
             </a:fld>
             <a:endParaRPr lang="en-US"/>
           </a:p>
@@ -2430,7 +2430,7 @@
           <a:p>
             <a:fld id="{987DA69C-A3BC-48FB-828D-5A6E6B919454}" type="datetimeFigureOut">
               <a:rPr lang="en-US" smtClean="0"/>
-              <a:t>6/7/2020</a:t>
+              <a:t>6/11/2020</a:t>
             </a:fld>
             <a:endParaRPr lang="en-US"/>
           </a:p>
@@ -2718,7 +2718,7 @@
           <a:p>
             <a:fld id="{987DA69C-A3BC-48FB-828D-5A6E6B919454}" type="datetimeFigureOut">
               <a:rPr lang="en-US" smtClean="0"/>
-              <a:t>6/7/2020</a:t>
+              <a:t>6/11/2020</a:t>
             </a:fld>
             <a:endParaRPr lang="en-US"/>
           </a:p>
@@ -2959,7 +2959,7 @@
           <a:p>
             <a:fld id="{987DA69C-A3BC-48FB-828D-5A6E6B919454}" type="datetimeFigureOut">
               <a:rPr lang="en-US" smtClean="0"/>
-              <a:t>6/7/2020</a:t>
+              <a:t>6/11/2020</a:t>
             </a:fld>
             <a:endParaRPr lang="en-US"/>
           </a:p>
@@ -3770,7 +3770,7 @@
         </p:blipFill>
         <p:spPr bwMode="auto">
           <a:xfrm>
-            <a:off x="2040625" y="3429000"/>
+            <a:off x="2054273" y="3429000"/>
             <a:ext cx="7810500" cy="3203812"/>
           </a:xfrm>
           <a:prstGeom prst="rect">
@@ -5130,13 +5130,13 @@
   <p:clrMapOvr>
     <a:masterClrMapping/>
   </p:clrMapOvr>
-  <mc:AlternateContent xmlns:mc="http://schemas.openxmlformats.org/markup-compatibility/2006">
-    <mc:Choice xmlns:p14="http://schemas.microsoft.com/office/powerpoint/2010/main" Requires="p14">
+  <mc:AlternateContent xmlns:mc="http://schemas.openxmlformats.org/markup-compatibility/2006" xmlns:p14="http://schemas.microsoft.com/office/powerpoint/2010/main">
+    <mc:Choice Requires="p14">
       <p:transition spd="slow" p14:dur="1400">
         <p14:ripple/>
       </p:transition>
     </mc:Choice>
-    <mc:Fallback>
+    <mc:Fallback xmlns="">
       <p:transition spd="slow">
         <p:fade/>
       </p:transition>
